--- a/SlidesPPT/ShortCourse_Notation.pptx
+++ b/SlidesPPT/ShortCourse_Notation.pptx
@@ -5,10 +5,10 @@
     <p:sldMasterId id="2147483703" r:id="rId1"/>
   </p:sldMasterIdLst>
   <p:notesMasterIdLst>
-    <p:notesMasterId r:id="rId15"/>
+    <p:notesMasterId r:id="rId14"/>
   </p:notesMasterIdLst>
   <p:handoutMasterIdLst>
-    <p:handoutMasterId r:id="rId16"/>
+    <p:handoutMasterId r:id="rId15"/>
   </p:handoutMasterIdLst>
   <p:sldIdLst>
     <p:sldId id="353" r:id="rId2"/>
@@ -22,13 +22,12 @@
     <p:sldId id="378" r:id="rId10"/>
     <p:sldId id="379" r:id="rId11"/>
     <p:sldId id="380" r:id="rId12"/>
-    <p:sldId id="381" r:id="rId13"/>
-    <p:sldId id="382" r:id="rId14"/>
+    <p:sldId id="382" r:id="rId13"/>
   </p:sldIdLst>
   <p:sldSz cx="12192000" cy="6858000"/>
   <p:notesSz cx="7315200" cy="9601200"/>
   <p:custDataLst>
-    <p:tags r:id="rId17"/>
+    <p:tags r:id="rId16"/>
   </p:custDataLst>
   <p:defaultTextStyle>
     <a:defPPr>
@@ -248,7 +247,7 @@
           <a:p>
             <a:fld id="{42DE4DD6-0497-4073-A07F-BACAF3B5AA44}" type="datetimeFigureOut">
               <a:rPr lang="en-US" smtClean="0"/>
-              <a:t>7/28/19</a:t>
+              <a:t>3/14/21</a:t>
             </a:fld>
             <a:endParaRPr lang="en-US"/>
           </a:p>
@@ -413,7 +412,7 @@
           <a:p>
             <a:fld id="{B1EB5D17-1482-4B71-829E-DEE524F3DC4D}" type="datetimeFigureOut">
               <a:rPr lang="en-US" smtClean="0"/>
-              <a:t>7/28/19</a:t>
+              <a:t>3/14/21</a:t>
             </a:fld>
             <a:endParaRPr lang="en-US"/>
           </a:p>
@@ -937,95 +936,6 @@
     </p:spTree>
     <p:extLst>
       <p:ext uri="{BB962C8B-B14F-4D97-AF65-F5344CB8AC3E}">
-        <p14:creationId xmlns:p14="http://schemas.microsoft.com/office/powerpoint/2010/main" val="2001502894"/>
-      </p:ext>
-    </p:extLst>
-  </p:cSld>
-  <p:clrMapOvr>
-    <a:masterClrMapping/>
-  </p:clrMapOvr>
-</p:notes>
-</file>
-
-<file path=ppt/notesSlides/notesSlide12.xml><?xml version="1.0" encoding="utf-8"?>
-<p:notes xmlns:a="http://schemas.openxmlformats.org/drawingml/2006/main" xmlns:r="http://schemas.openxmlformats.org/officeDocument/2006/relationships" xmlns:p="http://schemas.openxmlformats.org/presentationml/2006/main">
-  <p:cSld>
-    <p:spTree>
-      <p:nvGrpSpPr>
-        <p:cNvPr id="1" name=""/>
-        <p:cNvGrpSpPr/>
-        <p:nvPr/>
-      </p:nvGrpSpPr>
-      <p:grpSpPr>
-        <a:xfrm>
-          <a:off x="0" y="0"/>
-          <a:ext cx="0" cy="0"/>
-          <a:chOff x="0" y="0"/>
-          <a:chExt cx="0" cy="0"/>
-        </a:xfrm>
-      </p:grpSpPr>
-      <p:sp>
-        <p:nvSpPr>
-          <p:cNvPr id="2" name="Slide Image Placeholder 1"/>
-          <p:cNvSpPr>
-            <a:spLocks noGrp="1" noRot="1" noChangeAspect="1"/>
-          </p:cNvSpPr>
-          <p:nvPr>
-            <p:ph type="sldImg"/>
-          </p:nvPr>
-        </p:nvSpPr>
-        <p:spPr>
-          <a:xfrm>
-            <a:off x="458788" y="719138"/>
-            <a:ext cx="6399212" cy="3600450"/>
-          </a:xfrm>
-        </p:spPr>
-      </p:sp>
-      <p:sp>
-        <p:nvSpPr>
-          <p:cNvPr id="3" name="Notes Placeholder 2"/>
-          <p:cNvSpPr>
-            <a:spLocks noGrp="1"/>
-          </p:cNvSpPr>
-          <p:nvPr>
-            <p:ph type="body" idx="1"/>
-          </p:nvPr>
-        </p:nvSpPr>
-        <p:spPr/>
-        <p:txBody>
-          <a:bodyPr/>
-          <a:lstStyle/>
-          <a:p>
-            <a:endParaRPr lang="en-US" dirty="0"/>
-          </a:p>
-        </p:txBody>
-      </p:sp>
-      <p:sp>
-        <p:nvSpPr>
-          <p:cNvPr id="4" name="Slide Number Placeholder 3"/>
-          <p:cNvSpPr>
-            <a:spLocks noGrp="1"/>
-          </p:cNvSpPr>
-          <p:nvPr>
-            <p:ph type="sldNum" sz="quarter" idx="10"/>
-          </p:nvPr>
-        </p:nvSpPr>
-        <p:spPr/>
-        <p:txBody>
-          <a:bodyPr/>
-          <a:lstStyle/>
-          <a:p>
-            <a:fld id="{45F8B6A7-DB98-47EE-9BB0-6897AB4B330D}" type="slidenum">
-              <a:rPr lang="en-US" smtClean="0"/>
-              <a:t>13</a:t>
-            </a:fld>
-            <a:endParaRPr lang="en-US"/>
-          </a:p>
-        </p:txBody>
-      </p:sp>
-    </p:spTree>
-    <p:extLst>
-      <p:ext uri="{BB962C8B-B14F-4D97-AF65-F5344CB8AC3E}">
         <p14:creationId xmlns:p14="http://schemas.microsoft.com/office/powerpoint/2010/main" val="1074629391"/>
       </p:ext>
     </p:extLst>
@@ -1842,9 +1752,9 @@
                     <a:lumMod val="75000"/>
                   </a:schemeClr>
                 </a:solidFill>
-                <a:latin typeface="Proxima Nova" panose="02000506030000020004" pitchFamily="2" charset="0"/>
-                <a:ea typeface="Proxima Nova" panose="02000506030000020004" pitchFamily="2" charset="0"/>
-                <a:cs typeface="Proxima Nova" panose="02000506030000020004" pitchFamily="2" charset="0"/>
+                <a:latin typeface="Proxima Nova Rg" panose="02000506030000020004" pitchFamily="2" charset="0"/>
+                <a:ea typeface="Proxima Nova Rg" panose="02000506030000020004" pitchFamily="2" charset="0"/>
+                <a:cs typeface="Proxima Nova Rg" panose="02000506030000020004" pitchFamily="2" charset="0"/>
               </a:defRPr>
             </a:lvl1pPr>
             <a:lvl2pPr marL="342860" indent="0" algn="ctr">
@@ -2102,7 +2012,7 @@
                 <a:spcPts val="0"/>
               </a:spcBef>
               <a:defRPr sz="1800">
-                <a:latin typeface="Proxima Nova" panose="02000506030000020004" pitchFamily="2" charset="0"/>
+                <a:latin typeface="Proxima Nova Rg" panose="02000506030000020004" pitchFamily="2" charset="0"/>
               </a:defRPr>
             </a:lvl1pPr>
             <a:lvl2pPr marL="557147">
@@ -2116,7 +2026,7 @@
                 <a:solidFill>
                   <a:srgbClr val="389DAA"/>
                 </a:solidFill>
-                <a:latin typeface="Proxima Nova" panose="02000506030000020004" pitchFamily="2" charset="0"/>
+                <a:latin typeface="Proxima Nova Rg" panose="02000506030000020004" pitchFamily="2" charset="0"/>
               </a:defRPr>
             </a:lvl2pPr>
             <a:lvl3pPr>
@@ -3567,7 +3477,7 @@
             <a:srgbClr val="286FB7"/>
           </a:solidFill>
           <a:effectLst/>
-          <a:latin typeface="Proxima Nova" panose="02000506030000020004" pitchFamily="2" charset="0"/>
+          <a:latin typeface="Proxima Nova Rg" panose="02000506030000020004" pitchFamily="2" charset="0"/>
           <a:ea typeface="+mn-ea"/>
           <a:cs typeface="+mn-cs"/>
         </a:defRPr>
@@ -3592,7 +3502,7 @@
             <a:srgbClr val="389DAA"/>
           </a:solidFill>
           <a:effectLst/>
-          <a:latin typeface="Proxima Nova" panose="02000506030000020004" pitchFamily="2" charset="0"/>
+          <a:latin typeface="Proxima Nova Rg" panose="02000506030000020004" pitchFamily="2" charset="0"/>
           <a:ea typeface="+mn-ea"/>
           <a:cs typeface="+mn-cs"/>
         </a:defRPr>
@@ -3962,7 +3872,7 @@
       </p:sp>
       <p:pic>
         <p:nvPicPr>
-          <p:cNvPr id="6" name="Picture 5"/>
+          <p:cNvPr id="7" name="Picture 6"/>
           <p:cNvPicPr>
             <a:picLocks noChangeAspect="1"/>
           </p:cNvPicPr>
@@ -3982,8 +3892,8 @@
         </p:blipFill>
         <p:spPr>
           <a:xfrm>
-            <a:off x="2051989" y="1607689"/>
-            <a:ext cx="8088023" cy="875456"/>
+            <a:off x="2819399" y="2971800"/>
+            <a:ext cx="6553200" cy="3276600"/>
           </a:xfrm>
           <a:prstGeom prst="rect">
             <a:avLst/>
@@ -3992,7 +3902,13 @@
       </p:pic>
       <p:pic>
         <p:nvPicPr>
-          <p:cNvPr id="7" name="Picture 6"/>
+          <p:cNvPr id="4" name="Picture 3">
+            <a:extLst>
+              <a:ext uri="{FF2B5EF4-FFF2-40B4-BE49-F238E27FC236}">
+                <a16:creationId xmlns:a16="http://schemas.microsoft.com/office/drawing/2014/main" id="{C1920970-34E1-D74F-80E2-EACE6A9142A7}"/>
+              </a:ext>
+            </a:extLst>
+          </p:cNvPr>
           <p:cNvPicPr>
             <a:picLocks noChangeAspect="1"/>
           </p:cNvPicPr>
@@ -4012,8 +3928,8 @@
         </p:blipFill>
         <p:spPr>
           <a:xfrm>
-            <a:off x="2819399" y="2971800"/>
-            <a:ext cx="6553200" cy="3276600"/>
+            <a:off x="2438400" y="1834021"/>
+            <a:ext cx="7683500" cy="745696"/>
           </a:xfrm>
           <a:prstGeom prst="rect">
             <a:avLst/>
@@ -4075,7 +3991,13 @@
       </p:sp>
       <p:pic>
         <p:nvPicPr>
-          <p:cNvPr id="3" name="Picture 2"/>
+          <p:cNvPr id="6" name="Picture 5" descr="Text&#10;&#10;Description automatically generated">
+            <a:extLst>
+              <a:ext uri="{FF2B5EF4-FFF2-40B4-BE49-F238E27FC236}">
+                <a16:creationId xmlns:a16="http://schemas.microsoft.com/office/drawing/2014/main" id="{3C6217EB-D174-F04F-AC0B-F0B973511F0A}"/>
+              </a:ext>
+            </a:extLst>
+          </p:cNvPr>
           <p:cNvPicPr>
             <a:picLocks noChangeAspect="1"/>
           </p:cNvPicPr>
@@ -4095,8 +4017,8 @@
         </p:blipFill>
         <p:spPr>
           <a:xfrm>
-            <a:off x="1996226" y="1569053"/>
-            <a:ext cx="8294077" cy="1859017"/>
+            <a:off x="1524000" y="1447800"/>
+            <a:ext cx="7137400" cy="1538233"/>
           </a:xfrm>
           <a:prstGeom prst="rect">
             <a:avLst/>
@@ -4105,7 +4027,13 @@
       </p:pic>
       <p:pic>
         <p:nvPicPr>
-          <p:cNvPr id="4" name="Picture 3"/>
+          <p:cNvPr id="8" name="Picture 7" descr="Chart, line chart&#10;&#10;Description automatically generated">
+            <a:extLst>
+              <a:ext uri="{FF2B5EF4-FFF2-40B4-BE49-F238E27FC236}">
+                <a16:creationId xmlns:a16="http://schemas.microsoft.com/office/drawing/2014/main" id="{DA8A1F95-38B7-F340-98CB-9ABB638EF337}"/>
+              </a:ext>
+            </a:extLst>
+          </p:cNvPr>
           <p:cNvPicPr>
             <a:picLocks noChangeAspect="1"/>
           </p:cNvPicPr>
@@ -4125,8 +4053,8 @@
         </p:blipFill>
         <p:spPr>
           <a:xfrm>
-            <a:off x="3019063" y="3428069"/>
-            <a:ext cx="6248400" cy="3124200"/>
+            <a:off x="1524000" y="2950864"/>
+            <a:ext cx="5209309" cy="3581400"/>
           </a:xfrm>
           <a:prstGeom prst="rect">
             <a:avLst/>
@@ -4188,7 +4116,13 @@
       </p:sp>
       <p:pic>
         <p:nvPicPr>
-          <p:cNvPr id="5" name="Picture 4"/>
+          <p:cNvPr id="6" name="Picture 5">
+            <a:extLst>
+              <a:ext uri="{FF2B5EF4-FFF2-40B4-BE49-F238E27FC236}">
+                <a16:creationId xmlns:a16="http://schemas.microsoft.com/office/drawing/2014/main" id="{DEF41723-04EA-6A4B-AD8A-BF4291CBB431}"/>
+              </a:ext>
+            </a:extLst>
+          </p:cNvPr>
           <p:cNvPicPr>
             <a:picLocks noChangeAspect="1"/>
           </p:cNvPicPr>
@@ -4208,8 +4142,8 @@
         </p:blipFill>
         <p:spPr>
           <a:xfrm>
-            <a:off x="1853591" y="1605543"/>
-            <a:ext cx="8484819" cy="1307771"/>
+            <a:off x="762000" y="1600200"/>
+            <a:ext cx="7829550" cy="712653"/>
           </a:xfrm>
           <a:prstGeom prst="rect">
             <a:avLst/>
@@ -4218,7 +4152,13 @@
       </p:pic>
       <p:pic>
         <p:nvPicPr>
-          <p:cNvPr id="6" name="Picture 5"/>
+          <p:cNvPr id="8" name="Picture 7" descr="Graphical user interface, chart&#10;&#10;Description automatically generated">
+            <a:extLst>
+              <a:ext uri="{FF2B5EF4-FFF2-40B4-BE49-F238E27FC236}">
+                <a16:creationId xmlns:a16="http://schemas.microsoft.com/office/drawing/2014/main" id="{7ED49611-136F-0B40-AB33-98CE5EC5585F}"/>
+              </a:ext>
+            </a:extLst>
+          </p:cNvPr>
           <p:cNvPicPr>
             <a:picLocks noChangeAspect="1"/>
           </p:cNvPicPr>
@@ -4238,121 +4178,8 @@
         </p:blipFill>
         <p:spPr>
           <a:xfrm>
-            <a:off x="2362200" y="3048000"/>
-            <a:ext cx="6934200" cy="3467100"/>
-          </a:xfrm>
-          <a:prstGeom prst="rect">
-            <a:avLst/>
-          </a:prstGeom>
-        </p:spPr>
-      </p:pic>
-    </p:spTree>
-    <p:extLst>
-      <p:ext uri="{BB962C8B-B14F-4D97-AF65-F5344CB8AC3E}">
-        <p14:creationId xmlns:p14="http://schemas.microsoft.com/office/powerpoint/2010/main" val="1122734148"/>
-      </p:ext>
-    </p:extLst>
-  </p:cSld>
-  <p:clrMapOvr>
-    <a:masterClrMapping/>
-  </p:clrMapOvr>
-</p:sld>
-</file>
-
-<file path=ppt/slides/slide13.xml><?xml version="1.0" encoding="utf-8"?>
-<p:sld xmlns:a="http://schemas.openxmlformats.org/drawingml/2006/main" xmlns:r="http://schemas.openxmlformats.org/officeDocument/2006/relationships" xmlns:p="http://schemas.openxmlformats.org/presentationml/2006/main">
-  <p:cSld>
-    <p:spTree>
-      <p:nvGrpSpPr>
-        <p:cNvPr id="1" name=""/>
-        <p:cNvGrpSpPr/>
-        <p:nvPr/>
-      </p:nvGrpSpPr>
-      <p:grpSpPr>
-        <a:xfrm>
-          <a:off x="0" y="0"/>
-          <a:ext cx="0" cy="0"/>
-          <a:chOff x="0" y="0"/>
-          <a:chExt cx="0" cy="0"/>
-        </a:xfrm>
-      </p:grpSpPr>
-      <p:sp>
-        <p:nvSpPr>
-          <p:cNvPr id="2" name="Title 1"/>
-          <p:cNvSpPr>
-            <a:spLocks noGrp="1"/>
-          </p:cNvSpPr>
-          <p:nvPr>
-            <p:ph type="title"/>
-          </p:nvPr>
-        </p:nvSpPr>
-        <p:spPr/>
-        <p:txBody>
-          <a:bodyPr/>
-          <a:lstStyle/>
-          <a:p>
-            <a:pPr algn="l"/>
-            <a:r>
-              <a:rPr lang="en-US" sz="4200" dirty="0"/>
-              <a:t>Code</a:t>
-            </a:r>
-          </a:p>
-        </p:txBody>
-      </p:sp>
-      <p:pic>
-        <p:nvPicPr>
-          <p:cNvPr id="3" name="Picture 2"/>
-          <p:cNvPicPr>
-            <a:picLocks noChangeAspect="1"/>
-          </p:cNvPicPr>
-          <p:nvPr/>
-        </p:nvPicPr>
-        <p:blipFill>
-          <a:blip r:embed="rId3">
-            <a:extLst>
-              <a:ext uri="{28A0092B-C50C-407E-A947-70E740481C1C}">
-                <a14:useLocalDpi xmlns:a14="http://schemas.microsoft.com/office/drawing/2010/main" val="0"/>
-              </a:ext>
-            </a:extLst>
-          </a:blip>
-          <a:stretch>
-            <a:fillRect/>
-          </a:stretch>
-        </p:blipFill>
-        <p:spPr>
-          <a:xfrm>
-            <a:off x="1981201" y="1447801"/>
-            <a:ext cx="8305799" cy="1714219"/>
-          </a:xfrm>
-          <a:prstGeom prst="rect">
-            <a:avLst/>
-          </a:prstGeom>
-        </p:spPr>
-      </p:pic>
-      <p:pic>
-        <p:nvPicPr>
-          <p:cNvPr id="4" name="Picture 3"/>
-          <p:cNvPicPr>
-            <a:picLocks noChangeAspect="1"/>
-          </p:cNvPicPr>
-          <p:nvPr/>
-        </p:nvPicPr>
-        <p:blipFill>
-          <a:blip r:embed="rId4">
-            <a:extLst>
-              <a:ext uri="{28A0092B-C50C-407E-A947-70E740481C1C}">
-                <a14:useLocalDpi xmlns:a14="http://schemas.microsoft.com/office/drawing/2010/main" val="0"/>
-              </a:ext>
-            </a:extLst>
-          </a:blip>
-          <a:stretch>
-            <a:fillRect/>
-          </a:stretch>
-        </p:blipFill>
-        <p:spPr>
-          <a:xfrm>
-            <a:off x="2362200" y="3180264"/>
-            <a:ext cx="7162800" cy="3581400"/>
+            <a:off x="762000" y="2459391"/>
+            <a:ext cx="5638800" cy="3876675"/>
           </a:xfrm>
           <a:prstGeom prst="rect">
             <a:avLst/>
@@ -4440,7 +4267,7 @@
                 <a:solidFill>
                   <a:srgbClr val="389DAA"/>
                 </a:solidFill>
-                <a:latin typeface="Proxima Nova" panose="02000506030000020004" pitchFamily="2" charset="0"/>
+                <a:latin typeface="Proxima Nova Rg" panose="02000506030000020004" pitchFamily="2" charset="0"/>
               </a:rPr>
               <a:t>Tentative definition:</a:t>
             </a:r>
@@ -4589,7 +4416,7 @@
                 <a:solidFill>
                   <a:srgbClr val="389DAA"/>
                 </a:solidFill>
-                <a:latin typeface="Proxima Nova" panose="02000506030000020004" pitchFamily="2" charset="0"/>
+                <a:latin typeface="Proxima Nova Rg" panose="02000506030000020004" pitchFamily="2" charset="0"/>
               </a:rPr>
               <a:t>Functional notation is conceptual; observations are made on a finite discrete grid.</a:t>
             </a:r>
@@ -5547,7 +5374,7 @@
         </p:blipFill>
         <p:spPr>
           <a:xfrm>
-            <a:off x="2133601" y="1577639"/>
+            <a:off x="2590800" y="905263"/>
             <a:ext cx="8240643" cy="695115"/>
           </a:xfrm>
           <a:prstGeom prst="rect">
@@ -5557,7 +5384,7 @@
       </p:pic>
       <p:pic>
         <p:nvPicPr>
-          <p:cNvPr id="4" name="Picture 3"/>
+          <p:cNvPr id="5" name="Picture 4"/>
           <p:cNvPicPr>
             <a:picLocks noChangeAspect="1"/>
           </p:cNvPicPr>
@@ -5577,8 +5404,8 @@
         </p:blipFill>
         <p:spPr>
           <a:xfrm>
-            <a:off x="2144643" y="2273826"/>
-            <a:ext cx="8229600" cy="1148316"/>
+            <a:off x="2209800" y="3468097"/>
+            <a:ext cx="5486400" cy="2743200"/>
           </a:xfrm>
           <a:prstGeom prst="rect">
             <a:avLst/>
@@ -5587,7 +5414,13 @@
       </p:pic>
       <p:pic>
         <p:nvPicPr>
-          <p:cNvPr id="5" name="Picture 4"/>
+          <p:cNvPr id="7" name="Picture 6" descr="A picture containing shape&#10;&#10;Description automatically generated">
+            <a:extLst>
+              <a:ext uri="{FF2B5EF4-FFF2-40B4-BE49-F238E27FC236}">
+                <a16:creationId xmlns:a16="http://schemas.microsoft.com/office/drawing/2014/main" id="{CF4337BA-C5CA-D844-8EC4-DD235ACED4F8}"/>
+              </a:ext>
+            </a:extLst>
+          </p:cNvPr>
           <p:cNvPicPr>
             <a:picLocks noChangeAspect="1"/>
           </p:cNvPicPr>
@@ -5607,8 +5440,8 @@
         </p:blipFill>
         <p:spPr>
           <a:xfrm>
-            <a:off x="3510721" y="3422142"/>
-            <a:ext cx="5486400" cy="2743200"/>
+            <a:off x="2590799" y="1600378"/>
+            <a:ext cx="8153399" cy="1789526"/>
           </a:xfrm>
           <a:prstGeom prst="rect">
             <a:avLst/>
